--- a/NgRx Workshop.pptx
+++ b/NgRx Workshop.pptx
@@ -219,7 +219,7 @@
           <a:p>
             <a:fld id="{5CA05452-A8A5-3C45-AA33-AA88D5E11802}" type="datetimeFigureOut">
               <a:rPr lang="en-US" smtClean="0"/>
-              <a:t>1/31/25</a:t>
+              <a:t>2/4/25</a:t>
             </a:fld>
             <a:endParaRPr lang="en-US"/>
           </a:p>
@@ -633,7 +633,7 @@
           <a:p>
             <a:fld id="{5FD84DC0-9001-5E42-8F00-4719CBAF2AC8}" type="datetimeFigureOut">
               <a:rPr lang="en-US" smtClean="0"/>
-              <a:t>1/31/25</a:t>
+              <a:t>2/4/25</a:t>
             </a:fld>
             <a:endParaRPr lang="en-US"/>
           </a:p>
@@ -831,7 +831,7 @@
           <a:p>
             <a:fld id="{5FD84DC0-9001-5E42-8F00-4719CBAF2AC8}" type="datetimeFigureOut">
               <a:rPr lang="en-US" smtClean="0"/>
-              <a:t>1/31/25</a:t>
+              <a:t>2/4/25</a:t>
             </a:fld>
             <a:endParaRPr lang="en-US"/>
           </a:p>
@@ -1039,7 +1039,7 @@
           <a:p>
             <a:fld id="{5FD84DC0-9001-5E42-8F00-4719CBAF2AC8}" type="datetimeFigureOut">
               <a:rPr lang="en-US" smtClean="0"/>
-              <a:t>1/31/25</a:t>
+              <a:t>2/4/25</a:t>
             </a:fld>
             <a:endParaRPr lang="en-US"/>
           </a:p>
@@ -1536,7 +1536,7 @@
           <a:p>
             <a:fld id="{99EDFA5E-E6B0-4665-86E2-7F9A6420200A}" type="datetime1">
               <a:rPr lang="de-DE"/>
-              <a:t>31.01.25</a:t>
+              <a:t>04.02.25</a:t>
             </a:fld>
             <a:endParaRPr lang="en-GB" dirty="0"/>
           </a:p>
@@ -1770,7 +1770,7 @@
           <a:p>
             <a:fld id="{5FD84DC0-9001-5E42-8F00-4719CBAF2AC8}" type="datetimeFigureOut">
               <a:rPr lang="en-US" smtClean="0"/>
-              <a:t>1/31/25</a:t>
+              <a:t>2/4/25</a:t>
             </a:fld>
             <a:endParaRPr lang="en-US"/>
           </a:p>
@@ -2045,7 +2045,7 @@
           <a:p>
             <a:fld id="{5FD84DC0-9001-5E42-8F00-4719CBAF2AC8}" type="datetimeFigureOut">
               <a:rPr lang="en-US" smtClean="0"/>
-              <a:t>1/31/25</a:t>
+              <a:t>2/4/25</a:t>
             </a:fld>
             <a:endParaRPr lang="en-US"/>
           </a:p>
@@ -2310,7 +2310,7 @@
           <a:p>
             <a:fld id="{5FD84DC0-9001-5E42-8F00-4719CBAF2AC8}" type="datetimeFigureOut">
               <a:rPr lang="en-US" smtClean="0"/>
-              <a:t>1/31/25</a:t>
+              <a:t>2/4/25</a:t>
             </a:fld>
             <a:endParaRPr lang="en-US"/>
           </a:p>
@@ -2722,7 +2722,7 @@
           <a:p>
             <a:fld id="{5FD84DC0-9001-5E42-8F00-4719CBAF2AC8}" type="datetimeFigureOut">
               <a:rPr lang="en-US" smtClean="0"/>
-              <a:t>1/31/25</a:t>
+              <a:t>2/4/25</a:t>
             </a:fld>
             <a:endParaRPr lang="en-US"/>
           </a:p>
@@ -2863,7 +2863,7 @@
           <a:p>
             <a:fld id="{5FD84DC0-9001-5E42-8F00-4719CBAF2AC8}" type="datetimeFigureOut">
               <a:rPr lang="en-US" smtClean="0"/>
-              <a:t>1/31/25</a:t>
+              <a:t>2/4/25</a:t>
             </a:fld>
             <a:endParaRPr lang="en-US"/>
           </a:p>
@@ -2976,7 +2976,7 @@
           <a:p>
             <a:fld id="{5FD84DC0-9001-5E42-8F00-4719CBAF2AC8}" type="datetimeFigureOut">
               <a:rPr lang="en-US" smtClean="0"/>
-              <a:t>1/31/25</a:t>
+              <a:t>2/4/25</a:t>
             </a:fld>
             <a:endParaRPr lang="en-US"/>
           </a:p>
@@ -3287,7 +3287,7 @@
           <a:p>
             <a:fld id="{5FD84DC0-9001-5E42-8F00-4719CBAF2AC8}" type="datetimeFigureOut">
               <a:rPr lang="en-US" smtClean="0"/>
-              <a:t>1/31/25</a:t>
+              <a:t>2/4/25</a:t>
             </a:fld>
             <a:endParaRPr lang="en-US"/>
           </a:p>
@@ -3575,7 +3575,7 @@
           <a:p>
             <a:fld id="{5FD84DC0-9001-5E42-8F00-4719CBAF2AC8}" type="datetimeFigureOut">
               <a:rPr lang="en-US" smtClean="0"/>
-              <a:t>1/31/25</a:t>
+              <a:t>2/4/25</a:t>
             </a:fld>
             <a:endParaRPr lang="en-US"/>
           </a:p>
@@ -3816,7 +3816,7 @@
           <a:p>
             <a:fld id="{5FD84DC0-9001-5E42-8F00-4719CBAF2AC8}" type="datetimeFigureOut">
               <a:rPr lang="en-US" smtClean="0"/>
-              <a:t>1/31/25</a:t>
+              <a:t>2/4/25</a:t>
             </a:fld>
             <a:endParaRPr lang="en-US"/>
           </a:p>
@@ -4552,15 +4552,15 @@
             </a:pPr>
             <a:r>
               <a:rPr lang="en-US" dirty="0"/>
-              <a:t>If “</a:t>
-            </a:r>
-            <a:r>
-              <a:rPr lang="en-US" dirty="0" err="1"/>
+              <a:t>If </a:t>
+            </a:r>
+            <a:r>
+              <a:rPr lang="en-US" i="1" dirty="0" err="1"/>
               <a:t>state.users</a:t>
             </a:r>
             <a:r>
               <a:rPr lang="en-US" dirty="0"/>
-              <a:t>” has not changed, </a:t>
+              <a:t> has not changed, </a:t>
             </a:r>
             <a:r>
               <a:rPr lang="en-US" dirty="0" err="1"/>
@@ -4729,12 +4729,16 @@
               <a:t>Use </a:t>
             </a:r>
             <a:r>
-              <a:rPr lang="en-US" dirty="0" err="1"/>
+              <a:rPr lang="en-US" i="1" dirty="0" err="1"/>
               <a:t>Store.dispatch</a:t>
             </a:r>
             <a:r>
-              <a:rPr lang="en-US" dirty="0"/>
-              <a:t>() instead of “Store-Façade”- Setters</a:t>
+              <a:rPr lang="en-US" i="1" dirty="0"/>
+              <a:t>()</a:t>
+            </a:r>
+            <a:r>
+              <a:rPr lang="en-US" dirty="0"/>
+              <a:t> instead of “Store-Façade”- Setters</a:t>
             </a:r>
           </a:p>
           <a:p>
@@ -5036,7 +5040,7 @@
             <a:pPr marL="285750" indent="-285750"/>
             <a:r>
               <a:rPr lang="en-US" dirty="0"/>
-              <a:t>Easier to test and reuse components. (Does not require mocking services or stores, making unit testing simpler.)</a:t>
+              <a:t>Easier to test and reuse components. (No mocking of services or stores, making unit testing simpler.)</a:t>
             </a:r>
           </a:p>
           <a:p>
@@ -5070,11 +5074,21 @@
             <a:pPr marL="285750" indent="-285750"/>
             <a:r>
               <a:rPr lang="en-US" b="1" dirty="0"/>
-              <a:t>Event Communication:</a:t>
-            </a:r>
-            <a:r>
-              <a:rPr lang="en-US" dirty="0"/>
-              <a:t> Dumb components emit events to notify smart components of user interactions. This allows changes to be handled in the smart component, maintaining a </a:t>
+              <a:t>Event Communication</a:t>
+            </a:r>
+            <a:br>
+              <a:rPr lang="en-US" b="1" dirty="0"/>
+            </a:br>
+            <a:r>
+              <a:rPr lang="en-US" dirty="0"/>
+              <a:t>Dumb components emit events to notify smart components of user interactions.</a:t>
+            </a:r>
+            <a:br>
+              <a:rPr lang="en-US" dirty="0"/>
+            </a:br>
+            <a:r>
+              <a:rPr lang="en-US" dirty="0"/>
+              <a:t>This allows changes to be handled in the smart component, maintaining a </a:t>
             </a:r>
             <a:r>
               <a:rPr lang="en-US" u="sng" dirty="0"/>
@@ -5093,11 +5107,14 @@
             </a:r>
             <a:r>
               <a:rPr lang="en-US" b="1" dirty="0"/>
-              <a:t> Change Detection:</a:t>
-            </a:r>
-            <a:r>
-              <a:rPr lang="en-US" dirty="0"/>
-              <a:t> Dumb components can use </a:t>
+              <a:t> Change Detection</a:t>
+            </a:r>
+            <a:br>
+              <a:rPr lang="en-US" b="1" dirty="0"/>
+            </a:br>
+            <a:r>
+              <a:rPr lang="en-US" dirty="0"/>
+              <a:t>Dumb components can use </a:t>
             </a:r>
             <a:r>
               <a:rPr lang="en-US" i="1" dirty="0" err="1"/>
@@ -6615,7 +6632,7 @@
             </a:pPr>
             <a:r>
               <a:rPr lang="en-US" b="1" dirty="0"/>
-              <a:t>Part 1</a:t>
+              <a:t>Part 1 - Theory</a:t>
             </a:r>
           </a:p>
           <a:p>
@@ -6687,7 +6704,7 @@
             </a:pPr>
             <a:r>
               <a:rPr lang="en-US" b="1" dirty="0"/>
-              <a:t>Part 2</a:t>
+              <a:t>Part 2 - Practice</a:t>
             </a:r>
           </a:p>
           <a:p>
@@ -6802,7 +6819,7 @@
             </a:pPr>
             <a:r>
               <a:rPr lang="en-US" dirty="0"/>
-              <a:t>Hand synchronizing application state across components.</a:t>
+              <a:t>Handling synchronizing application state across components.</a:t>
             </a:r>
           </a:p>
           <a:p>
@@ -7210,8 +7227,12 @@
               <a:t>Storing state in services using </a:t>
             </a:r>
             <a:r>
+              <a:rPr lang="en-US" i="1" dirty="0" err="1"/>
+              <a:t>BehaviorSubject</a:t>
+            </a:r>
+            <a:r>
               <a:rPr lang="en-US" dirty="0" err="1"/>
-              <a:t>BehaviorSubjects</a:t>
+              <a:t>s</a:t>
             </a:r>
             <a:r>
               <a:rPr lang="en-US" dirty="0"/>
@@ -7245,7 +7266,7 @@
             </a:pPr>
             <a:r>
               <a:rPr lang="en-US" b="1" dirty="0"/>
-              <a:t>Challenges with Traditional Methods</a:t>
+              <a:t>Challenges with Services</a:t>
             </a:r>
             <a:endParaRPr lang="en-US" dirty="0"/>
           </a:p>
@@ -7516,8 +7537,8 @@
         </p:nvSpPr>
         <p:spPr>
           <a:xfrm>
-            <a:off x="6217250" y="3490268"/>
-            <a:ext cx="2793944" cy="646331"/>
+            <a:off x="6269801" y="3568553"/>
+            <a:ext cx="2748075" cy="584775"/>
           </a:xfrm>
           <a:prstGeom prst="rect">
             <a:avLst/>
@@ -7531,36 +7552,23 @@
           <a:lstStyle/>
           <a:p>
             <a:r>
-              <a:rPr lang="en-US" dirty="0" err="1"/>
-              <a:t>Einzige</a:t>
-            </a:r>
-            <a:r>
-              <a:rPr lang="en-US" dirty="0"/>
-              <a:t> </a:t>
-            </a:r>
-            <a:r>
-              <a:rPr lang="en-US" dirty="0" err="1"/>
-              <a:t>Instanz</a:t>
-            </a:r>
-            <a:r>
-              <a:rPr lang="en-US" dirty="0"/>
-              <a:t>, </a:t>
-            </a:r>
-            <a:r>
-              <a:rPr lang="en-US" dirty="0" err="1"/>
-              <a:t>beinhaltet</a:t>
-            </a:r>
-            <a:r>
-              <a:rPr lang="en-US" dirty="0"/>
-              <a:t> </a:t>
-            </a:r>
-            <a:r>
-              <a:rPr lang="en-US" dirty="0" err="1"/>
-              <a:t>auch</a:t>
-            </a:r>
-            <a:r>
-              <a:rPr lang="en-US" dirty="0"/>
-              <a:t> die Feature-Stores.</a:t>
+              <a:rPr lang="en-US" dirty="0"/>
+              <a:t>Only one instance!</a:t>
+            </a:r>
+            <a:br>
+              <a:rPr lang="en-US" dirty="0"/>
+            </a:br>
+            <a:r>
+              <a:rPr lang="en-US" sz="1400" dirty="0"/>
+              <a:t>(Also includes all </a:t>
+            </a:r>
+            <a:r>
+              <a:rPr lang="en-US" sz="1400" dirty="0" err="1"/>
+              <a:t>FeatureStores</a:t>
+            </a:r>
+            <a:r>
+              <a:rPr lang="en-US" sz="1400" dirty="0"/>
+              <a:t>.)</a:t>
             </a:r>
           </a:p>
         </p:txBody>
@@ -7761,7 +7769,7 @@
             </a:r>
             <a:r>
               <a:rPr lang="en-US" dirty="0"/>
-              <a:t>Define and describe events that cause state changes in the application.</a:t>
+              <a:t>Define and describe events that cause state changes in the application. Can contain payload.</a:t>
             </a:r>
           </a:p>
           <a:p>
@@ -7818,7 +7826,7 @@
             </a:r>
             <a:r>
               <a:rPr lang="en-US" dirty="0"/>
-              <a:t>Handle side effects such as API calls, logging, or analytics, without cluttering the reducers.</a:t>
+              <a:t>Handle (async) side effects such as API calls, logging, or analytics, without cluttering the reducers.</a:t>
             </a:r>
           </a:p>
           <a:p>
